--- a/Lessons/Lesson04/Lesson04.pptx
+++ b/Lessons/Lesson04/Lesson04.pptx
@@ -4449,7 +4449,7 @@
                 <a:cs typeface="Arial" panose="020B0604020202020204" pitchFamily="34" charset="0"/>
                 <a:sym typeface="Wingdings" panose="05000000000000000000" pitchFamily="2" charset="2"/>
               </a:rPr>
-              <a:t>3. Make sure finish last week’s </a:t>
+              <a:t>2. Make sure finish last week’s </a:t>
             </a:r>
             <a:r>
               <a:rPr lang="en-US" altLang="en-US" sz="2000" b="1" dirty="0" err="1">
